--- a/apresentacao/apresentacao.pptx
+++ b/apresentacao/apresentacao.pptx
@@ -265,7 +265,7 @@
           <a:p>
             <a:fld id="{1DF591B0-8DA2-4434-B68C-296BD7320DEB}" type="datetimeFigureOut">
               <a:rPr lang="pt-BR" smtClean="0"/>
-              <a:t>14/09/2023</a:t>
+              <a:t>03/12/2023</a:t>
             </a:fld>
             <a:endParaRPr lang="pt-BR"/>
           </a:p>
@@ -463,7 +463,7 @@
           <a:p>
             <a:fld id="{1DF591B0-8DA2-4434-B68C-296BD7320DEB}" type="datetimeFigureOut">
               <a:rPr lang="pt-BR" smtClean="0"/>
-              <a:t>14/09/2023</a:t>
+              <a:t>03/12/2023</a:t>
             </a:fld>
             <a:endParaRPr lang="pt-BR"/>
           </a:p>
@@ -671,7 +671,7 @@
           <a:p>
             <a:fld id="{1DF591B0-8DA2-4434-B68C-296BD7320DEB}" type="datetimeFigureOut">
               <a:rPr lang="pt-BR" smtClean="0"/>
-              <a:t>14/09/2023</a:t>
+              <a:t>03/12/2023</a:t>
             </a:fld>
             <a:endParaRPr lang="pt-BR"/>
           </a:p>
@@ -869,7 +869,7 @@
           <a:p>
             <a:fld id="{1DF591B0-8DA2-4434-B68C-296BD7320DEB}" type="datetimeFigureOut">
               <a:rPr lang="pt-BR" smtClean="0"/>
-              <a:t>14/09/2023</a:t>
+              <a:t>03/12/2023</a:t>
             </a:fld>
             <a:endParaRPr lang="pt-BR"/>
           </a:p>
@@ -1144,7 +1144,7 @@
           <a:p>
             <a:fld id="{1DF591B0-8DA2-4434-B68C-296BD7320DEB}" type="datetimeFigureOut">
               <a:rPr lang="pt-BR" smtClean="0"/>
-              <a:t>14/09/2023</a:t>
+              <a:t>03/12/2023</a:t>
             </a:fld>
             <a:endParaRPr lang="pt-BR"/>
           </a:p>
@@ -1409,7 +1409,7 @@
           <a:p>
             <a:fld id="{1DF591B0-8DA2-4434-B68C-296BD7320DEB}" type="datetimeFigureOut">
               <a:rPr lang="pt-BR" smtClean="0"/>
-              <a:t>14/09/2023</a:t>
+              <a:t>03/12/2023</a:t>
             </a:fld>
             <a:endParaRPr lang="pt-BR"/>
           </a:p>
@@ -1821,7 +1821,7 @@
           <a:p>
             <a:fld id="{1DF591B0-8DA2-4434-B68C-296BD7320DEB}" type="datetimeFigureOut">
               <a:rPr lang="pt-BR" smtClean="0"/>
-              <a:t>14/09/2023</a:t>
+              <a:t>03/12/2023</a:t>
             </a:fld>
             <a:endParaRPr lang="pt-BR"/>
           </a:p>
@@ -1962,7 +1962,7 @@
           <a:p>
             <a:fld id="{1DF591B0-8DA2-4434-B68C-296BD7320DEB}" type="datetimeFigureOut">
               <a:rPr lang="pt-BR" smtClean="0"/>
-              <a:t>14/09/2023</a:t>
+              <a:t>03/12/2023</a:t>
             </a:fld>
             <a:endParaRPr lang="pt-BR"/>
           </a:p>
@@ -2075,7 +2075,7 @@
           <a:p>
             <a:fld id="{1DF591B0-8DA2-4434-B68C-296BD7320DEB}" type="datetimeFigureOut">
               <a:rPr lang="pt-BR" smtClean="0"/>
-              <a:t>14/09/2023</a:t>
+              <a:t>03/12/2023</a:t>
             </a:fld>
             <a:endParaRPr lang="pt-BR"/>
           </a:p>
@@ -2386,7 +2386,7 @@
           <a:p>
             <a:fld id="{1DF591B0-8DA2-4434-B68C-296BD7320DEB}" type="datetimeFigureOut">
               <a:rPr lang="pt-BR" smtClean="0"/>
-              <a:t>14/09/2023</a:t>
+              <a:t>03/12/2023</a:t>
             </a:fld>
             <a:endParaRPr lang="pt-BR"/>
           </a:p>
@@ -2674,7 +2674,7 @@
           <a:p>
             <a:fld id="{1DF591B0-8DA2-4434-B68C-296BD7320DEB}" type="datetimeFigureOut">
               <a:rPr lang="pt-BR" smtClean="0"/>
-              <a:t>14/09/2023</a:t>
+              <a:t>03/12/2023</a:t>
             </a:fld>
             <a:endParaRPr lang="pt-BR"/>
           </a:p>
@@ -2915,7 +2915,7 @@
           <a:p>
             <a:fld id="{1DF591B0-8DA2-4434-B68C-296BD7320DEB}" type="datetimeFigureOut">
               <a:rPr lang="pt-BR" smtClean="0"/>
-              <a:t>14/09/2023</a:t>
+              <a:t>03/12/2023</a:t>
             </a:fld>
             <a:endParaRPr lang="pt-BR"/>
           </a:p>
@@ -3934,7 +3934,7 @@
         <p:spPr>
           <a:xfrm>
             <a:off x="4672101" y="554605"/>
-            <a:ext cx="6102220" cy="5898538"/>
+            <a:ext cx="6102220" cy="5579989"/>
           </a:xfrm>
           <a:prstGeom prst="rect">
             <a:avLst/>
@@ -4156,37 +4156,6 @@
               </a:lnSpc>
             </a:pPr>
             <a:r>
-              <a:rPr lang="pt-BR" dirty="0">
-                <a:effectLst/>
-                <a:latin typeface="Arial" panose="020B0604020202020204" pitchFamily="34" charset="0"/>
-                <a:ea typeface="Arial" panose="020B0604020202020204" pitchFamily="34" charset="0"/>
-              </a:rPr>
-              <a:t>Leonardo </a:t>
-            </a:r>
-            <a:r>
-              <a:rPr lang="pt-BR" dirty="0" err="1">
-                <a:effectLst/>
-                <a:latin typeface="Arial" panose="020B0604020202020204" pitchFamily="34" charset="0"/>
-                <a:ea typeface="Arial" panose="020B0604020202020204" pitchFamily="34" charset="0"/>
-              </a:rPr>
-              <a:t>Aquim</a:t>
-            </a:r>
-            <a:r>
-              <a:rPr lang="pt-BR" dirty="0">
-                <a:effectLst/>
-                <a:latin typeface="Arial" panose="020B0604020202020204" pitchFamily="34" charset="0"/>
-                <a:ea typeface="Arial" panose="020B0604020202020204" pitchFamily="34" charset="0"/>
-              </a:rPr>
-              <a:t> de Queiroz</a:t>
-            </a:r>
-          </a:p>
-          <a:p>
-            <a:pPr algn="ctr">
-              <a:lnSpc>
-                <a:spcPct val="115000"/>
-              </a:lnSpc>
-            </a:pPr>
-            <a:r>
               <a:rPr lang="pt-BR" dirty="0" err="1">
                 <a:effectLst/>
                 <a:latin typeface="Arial" panose="020B0604020202020204" pitchFamily="34" charset="0"/>
@@ -4322,7 +4291,7 @@
                 <a:latin typeface="Arial" panose="020B0604020202020204" pitchFamily="34" charset="0"/>
                 <a:ea typeface="Arial" panose="020B0604020202020204" pitchFamily="34" charset="0"/>
               </a:rPr>
-              <a:t>Setembro/2023</a:t>
+              <a:t>Dezembro/2023</a:t>
             </a:r>
             <a:endParaRPr lang="pt-BR" sz="1600" dirty="0"/>
           </a:p>
@@ -8286,14 +8255,14 @@
           <p:nvPr>
             <p:extLst>
               <p:ext uri="{D42A27DB-BD31-4B8C-83A1-F6EECF244321}">
-                <p14:modId xmlns:p14="http://schemas.microsoft.com/office/powerpoint/2010/main" val="896915866"/>
+                <p14:modId xmlns:p14="http://schemas.microsoft.com/office/powerpoint/2010/main" val="3017155083"/>
               </p:ext>
             </p:extLst>
           </p:nvPr>
         </p:nvGraphicFramePr>
         <p:xfrm>
           <a:off x="1670670" y="1944981"/>
-          <a:ext cx="8230430" cy="4573369"/>
+          <a:ext cx="8230430" cy="3206419"/>
         </p:xfrm>
         <a:graphic>
           <a:graphicData uri="http://schemas.openxmlformats.org/drawingml/2006/table">
@@ -8528,7 +8497,7 @@
                         <a:rPr lang="pt-BR" sz="1800" dirty="0">
                           <a:effectLst/>
                         </a:rPr>
-                        <a:t>A aplicação deve apresentar um histórico detalhado de todas as transações realizadas.</a:t>
+                        <a:t>A aplicação deve apresentar um histórico / relatório detalhado de todas as transações realizadas.</a:t>
                       </a:r>
                       <a:endParaRPr lang="pt-BR" sz="1800" dirty="0">
                         <a:effectLst/>
@@ -8610,7 +8579,7 @@
                         <a:rPr lang="pt-BR" sz="1800" dirty="0">
                           <a:effectLst/>
                         </a:rPr>
-                        <a:t>Os usuários devem poder categorizar automaticamente as transações com base nos dados fornecidos.</a:t>
+                        <a:t>Os usuários devem poder categorizar as transações com base nos dados fornecidos.</a:t>
                       </a:r>
                       <a:endParaRPr lang="pt-BR" sz="1800" dirty="0">
                         <a:effectLst/>
@@ -8714,174 +8683,10 @@
                         </a:lnSpc>
                       </a:pPr>
                       <a:r>
-                        <a:rPr lang="pt-BR" sz="1800">
+                        <a:rPr lang="pt-BR" sz="1800" dirty="0">
                           <a:effectLst/>
                         </a:rPr>
                         <a:t>Alta</a:t>
-                      </a:r>
-                      <a:endParaRPr lang="pt-BR" sz="1800">
-                        <a:effectLst/>
-                        <a:latin typeface="Arial" panose="020B0604020202020204" pitchFamily="34" charset="0"/>
-                        <a:ea typeface="Arial" panose="020B0604020202020204" pitchFamily="34" charset="0"/>
-                      </a:endParaRPr>
-                    </a:p>
-                  </a:txBody>
-                  <a:tcPr marL="68580" marR="68580" marT="0" marB="0" anchor="ctr"/>
-                </a:tc>
-                <a:extLst>
-                  <a:ext uri="{0D108BD9-81ED-4DB2-BD59-A6C34878D82A}">
-                    <a16:rowId xmlns:a16="http://schemas.microsoft.com/office/drawing/2014/main" val="3119436475"/>
-                  </a:ext>
-                </a:extLst>
-              </a:tr>
-              <a:tr h="683475">
-                <a:tc>
-                  <a:txBody>
-                    <a:bodyPr/>
-                    <a:lstStyle/>
-                    <a:p>
-                      <a:pPr algn="ctr">
-                        <a:lnSpc>
-                          <a:spcPct val="115000"/>
-                        </a:lnSpc>
-                      </a:pPr>
-                      <a:r>
-                        <a:rPr lang="pt-BR" sz="1800">
-                          <a:effectLst/>
-                        </a:rPr>
-                        <a:t>RF- 05</a:t>
-                      </a:r>
-                      <a:endParaRPr lang="pt-BR" sz="1800">
-                        <a:effectLst/>
-                        <a:latin typeface="Arial" panose="020B0604020202020204" pitchFamily="34" charset="0"/>
-                        <a:ea typeface="Arial" panose="020B0604020202020204" pitchFamily="34" charset="0"/>
-                      </a:endParaRPr>
-                    </a:p>
-                  </a:txBody>
-                  <a:tcPr marL="68580" marR="68580" marT="0" marB="0" anchor="ctr"/>
-                </a:tc>
-                <a:tc>
-                  <a:txBody>
-                    <a:bodyPr/>
-                    <a:lstStyle/>
-                    <a:p>
-                      <a:pPr algn="l">
-                        <a:lnSpc>
-                          <a:spcPct val="115000"/>
-                        </a:lnSpc>
-                      </a:pPr>
-                      <a:r>
-                        <a:rPr lang="pt-BR" sz="1800">
-                          <a:effectLst/>
-                        </a:rPr>
-                        <a:t>Os usuários devem ter a opção de definir metas financeiras e acompanhar o progresso.</a:t>
-                      </a:r>
-                      <a:endParaRPr lang="pt-BR" sz="1800">
-                        <a:effectLst/>
-                        <a:latin typeface="Arial" panose="020B0604020202020204" pitchFamily="34" charset="0"/>
-                        <a:ea typeface="Arial" panose="020B0604020202020204" pitchFamily="34" charset="0"/>
-                      </a:endParaRPr>
-                    </a:p>
-                  </a:txBody>
-                  <a:tcPr marL="68580" marR="68580" marT="0" marB="0" anchor="ctr"/>
-                </a:tc>
-                <a:tc>
-                  <a:txBody>
-                    <a:bodyPr/>
-                    <a:lstStyle/>
-                    <a:p>
-                      <a:pPr algn="ctr">
-                        <a:lnSpc>
-                          <a:spcPct val="115000"/>
-                        </a:lnSpc>
-                      </a:pPr>
-                      <a:r>
-                        <a:rPr lang="pt-BR" sz="1800">
-                          <a:effectLst/>
-                        </a:rPr>
-                        <a:t>Média</a:t>
-                      </a:r>
-                      <a:endParaRPr lang="pt-BR" sz="1800">
-                        <a:effectLst/>
-                        <a:latin typeface="Arial" panose="020B0604020202020204" pitchFamily="34" charset="0"/>
-                        <a:ea typeface="Arial" panose="020B0604020202020204" pitchFamily="34" charset="0"/>
-                      </a:endParaRPr>
-                    </a:p>
-                  </a:txBody>
-                  <a:tcPr marL="68580" marR="68580" marT="0" marB="0" anchor="ctr"/>
-                </a:tc>
-                <a:extLst>
-                  <a:ext uri="{0D108BD9-81ED-4DB2-BD59-A6C34878D82A}">
-                    <a16:rowId xmlns:a16="http://schemas.microsoft.com/office/drawing/2014/main" val="1243037950"/>
-                  </a:ext>
-                </a:extLst>
-              </a:tr>
-              <a:tr h="683475">
-                <a:tc>
-                  <a:txBody>
-                    <a:bodyPr/>
-                    <a:lstStyle/>
-                    <a:p>
-                      <a:pPr algn="ctr">
-                        <a:lnSpc>
-                          <a:spcPct val="115000"/>
-                        </a:lnSpc>
-                      </a:pPr>
-                      <a:r>
-                        <a:rPr lang="pt-BR" sz="1800">
-                          <a:effectLst/>
-                        </a:rPr>
-                        <a:t>RF- 06</a:t>
-                      </a:r>
-                      <a:endParaRPr lang="pt-BR" sz="1800">
-                        <a:effectLst/>
-                        <a:latin typeface="Arial" panose="020B0604020202020204" pitchFamily="34" charset="0"/>
-                        <a:ea typeface="Arial" panose="020B0604020202020204" pitchFamily="34" charset="0"/>
-                      </a:endParaRPr>
-                    </a:p>
-                  </a:txBody>
-                  <a:tcPr marL="68580" marR="68580" marT="0" marB="0" anchor="ctr"/>
-                </a:tc>
-                <a:tc>
-                  <a:txBody>
-                    <a:bodyPr/>
-                    <a:lstStyle/>
-                    <a:p>
-                      <a:pPr algn="l">
-                        <a:lnSpc>
-                          <a:spcPct val="115000"/>
-                        </a:lnSpc>
-                      </a:pPr>
-                      <a:r>
-                        <a:rPr lang="pt-BR" sz="1800" dirty="0">
-                          <a:effectLst/>
-                        </a:rPr>
-                        <a:t>A aplicação deve permitir aos usuários gerar relatórios personalizados sobre suas finanças.</a:t>
-                      </a:r>
-                      <a:endParaRPr lang="pt-BR" sz="1800" dirty="0">
-                        <a:effectLst/>
-                        <a:latin typeface="Arial" panose="020B0604020202020204" pitchFamily="34" charset="0"/>
-                        <a:ea typeface="Arial" panose="020B0604020202020204" pitchFamily="34" charset="0"/>
-                      </a:endParaRPr>
-                    </a:p>
-                  </a:txBody>
-                  <a:tcPr marL="68580" marR="68580" marT="0" marB="0" anchor="ctr"/>
-                </a:tc>
-                <a:tc>
-                  <a:txBody>
-                    <a:bodyPr/>
-                    <a:lstStyle/>
-                    <a:p>
-                      <a:pPr algn="ctr">
-                        <a:lnSpc>
-                          <a:spcPct val="115000"/>
-                        </a:lnSpc>
-                      </a:pPr>
-                      <a:r>
-                        <a:rPr lang="pt-BR" sz="1800" dirty="0">
-                          <a:effectLst/>
-                        </a:rPr>
-                        <a:t>Média</a:t>
                       </a:r>
                       <a:endParaRPr lang="pt-BR" sz="1800" dirty="0">
                         <a:effectLst/>
@@ -8894,7 +8699,7 @@
                 </a:tc>
                 <a:extLst>
                   <a:ext uri="{0D108BD9-81ED-4DB2-BD59-A6C34878D82A}">
-                    <a16:rowId xmlns:a16="http://schemas.microsoft.com/office/drawing/2014/main" val="3579534949"/>
+                    <a16:rowId xmlns:a16="http://schemas.microsoft.com/office/drawing/2014/main" val="3119436475"/>
                   </a:ext>
                 </a:extLst>
               </a:tr>

--- a/apresentacao/apresentacao.pptx
+++ b/apresentacao/apresentacao.pptx
@@ -12,6 +12,7 @@
     <p:sldId id="260" r:id="rId6"/>
     <p:sldId id="261" r:id="rId7"/>
     <p:sldId id="263" r:id="rId8"/>
+    <p:sldId id="264" r:id="rId9"/>
   </p:sldIdLst>
   <p:sldSz cx="12192000" cy="6858000"/>
   <p:notesSz cx="6858000" cy="9144000"/>
@@ -9997,6 +9998,736 @@
 </p:sld>
 </file>
 
+<file path=ppt/slides/slide8.xml><?xml version="1.0" encoding="utf-8"?>
+<p:sld xmlns:a="http://schemas.openxmlformats.org/drawingml/2006/main" xmlns:r="http://schemas.openxmlformats.org/officeDocument/2006/relationships" xmlns:p="http://schemas.openxmlformats.org/presentationml/2006/main">
+  <p:cSld>
+    <p:bg>
+      <p:bgPr>
+        <a:solidFill>
+          <a:schemeClr val="bg1"/>
+        </a:solidFill>
+        <a:effectLst/>
+      </p:bgPr>
+    </p:bg>
+    <p:spTree>
+      <p:nvGrpSpPr>
+        <p:cNvPr id="1" name=""/>
+        <p:cNvGrpSpPr/>
+        <p:nvPr/>
+      </p:nvGrpSpPr>
+      <p:grpSpPr>
+        <a:xfrm>
+          <a:off x="0" y="0"/>
+          <a:ext cx="0" cy="0"/>
+          <a:chOff x="0" y="0"/>
+          <a:chExt cx="0" cy="0"/>
+        </a:xfrm>
+      </p:grpSpPr>
+      <p:sp>
+        <p:nvSpPr>
+          <p:cNvPr id="11" name="Rectangle 10">
+            <a:extLst>
+              <a:ext uri="{FF2B5EF4-FFF2-40B4-BE49-F238E27FC236}">
+                <a16:creationId xmlns:a16="http://schemas.microsoft.com/office/drawing/2014/main" id="{F3060C83-F051-4F0E-ABAD-AA0DFC48B218}"/>
+              </a:ext>
+              <a:ext uri="{C183D7F6-B498-43B3-948B-1728B52AA6E4}">
+                <adec:decorative xmlns:adec="http://schemas.microsoft.com/office/drawing/2017/decorative" val="1"/>
+              </a:ext>
+            </a:extLst>
+          </p:cNvPr>
+          <p:cNvSpPr>
+            <a:spLocks noGrp="1" noRot="1" noChangeAspect="1" noMove="1" noResize="1" noEditPoints="1" noAdjustHandles="1" noChangeArrowheads="1" noChangeShapeType="1" noTextEdit="1"/>
+          </p:cNvSpPr>
+          <p:nvPr>
+            <p:extLst>
+              <p:ext uri="{386F3935-93C4-4BCD-93E2-E3B085C9AB24}">
+                <p16:designElem xmlns:p16="http://schemas.microsoft.com/office/powerpoint/2015/main" val="1"/>
+              </p:ext>
+            </p:extLst>
+          </p:nvPr>
+        </p:nvSpPr>
+        <p:spPr>
+          <a:xfrm>
+            <a:off x="0" y="0"/>
+            <a:ext cx="12192000" cy="6858000"/>
+          </a:xfrm>
+          <a:prstGeom prst="rect">
+            <a:avLst/>
+          </a:prstGeom>
+          <a:solidFill>
+            <a:schemeClr val="bg1"/>
+          </a:solidFill>
+          <a:ln>
+            <a:noFill/>
+          </a:ln>
+        </p:spPr>
+        <p:style>
+          <a:lnRef idx="2">
+            <a:schemeClr val="accent1">
+              <a:shade val="50000"/>
+            </a:schemeClr>
+          </a:lnRef>
+          <a:fillRef idx="1">
+            <a:schemeClr val="accent1"/>
+          </a:fillRef>
+          <a:effectRef idx="0">
+            <a:schemeClr val="accent1"/>
+          </a:effectRef>
+          <a:fontRef idx="minor">
+            <a:schemeClr val="lt1"/>
+          </a:fontRef>
+        </p:style>
+        <p:txBody>
+          <a:bodyPr rtlCol="0" anchor="ctr"/>
+          <a:lstStyle/>
+          <a:p>
+            <a:pPr algn="ctr"/>
+            <a:endParaRPr lang="en-US" dirty="0"/>
+          </a:p>
+        </p:txBody>
+      </p:sp>
+      <p:sp>
+        <p:nvSpPr>
+          <p:cNvPr id="13" name="Freeform: Shape 12">
+            <a:extLst>
+              <a:ext uri="{FF2B5EF4-FFF2-40B4-BE49-F238E27FC236}">
+                <a16:creationId xmlns:a16="http://schemas.microsoft.com/office/drawing/2014/main" id="{83C98ABE-055B-441F-B07E-44F97F083C39}"/>
+              </a:ext>
+              <a:ext uri="{C183D7F6-B498-43B3-948B-1728B52AA6E4}">
+                <adec:decorative xmlns:adec="http://schemas.microsoft.com/office/drawing/2017/decorative" val="1"/>
+              </a:ext>
+            </a:extLst>
+          </p:cNvPr>
+          <p:cNvSpPr>
+            <a:spLocks noGrp="1" noRot="1" noChangeAspect="1" noMove="1" noResize="1" noEditPoints="1" noAdjustHandles="1" noChangeArrowheads="1" noChangeShapeType="1" noTextEdit="1"/>
+          </p:cNvSpPr>
+          <p:nvPr>
+            <p:extLst>
+              <p:ext uri="{386F3935-93C4-4BCD-93E2-E3B085C9AB24}">
+                <p16:designElem xmlns:p16="http://schemas.microsoft.com/office/powerpoint/2015/main" val="1"/>
+              </p:ext>
+            </p:extLst>
+          </p:nvPr>
+        </p:nvSpPr>
+        <p:spPr>
+          <a:xfrm rot="18900000" flipH="1">
+            <a:off x="-376156" y="-253670"/>
+            <a:ext cx="1827638" cy="1376989"/>
+          </a:xfrm>
+          <a:custGeom>
+            <a:avLst/>
+            <a:gdLst>
+              <a:gd name="connsiteX0" fmla="*/ 0 w 1827638"/>
+              <a:gd name="connsiteY0" fmla="*/ 987379 h 1376989"/>
+              <a:gd name="connsiteX1" fmla="*/ 987379 w 1827638"/>
+              <a:gd name="connsiteY1" fmla="*/ 0 h 1376989"/>
+              <a:gd name="connsiteX2" fmla="*/ 1827638 w 1827638"/>
+              <a:gd name="connsiteY2" fmla="*/ 840260 h 1376989"/>
+              <a:gd name="connsiteX3" fmla="*/ 1827638 w 1827638"/>
+              <a:gd name="connsiteY3" fmla="*/ 1376989 h 1376989"/>
+              <a:gd name="connsiteX4" fmla="*/ 0 w 1827638"/>
+              <a:gd name="connsiteY4" fmla="*/ 1376989 h 1376989"/>
+            </a:gdLst>
+            <a:ahLst/>
+            <a:cxnLst>
+              <a:cxn ang="0">
+                <a:pos x="connsiteX0" y="connsiteY0"/>
+              </a:cxn>
+              <a:cxn ang="0">
+                <a:pos x="connsiteX1" y="connsiteY1"/>
+              </a:cxn>
+              <a:cxn ang="0">
+                <a:pos x="connsiteX2" y="connsiteY2"/>
+              </a:cxn>
+              <a:cxn ang="0">
+                <a:pos x="connsiteX3" y="connsiteY3"/>
+              </a:cxn>
+              <a:cxn ang="0">
+                <a:pos x="connsiteX4" y="connsiteY4"/>
+              </a:cxn>
+            </a:cxnLst>
+            <a:rect l="l" t="t" r="r" b="b"/>
+            <a:pathLst>
+              <a:path w="1827638" h="1376989">
+                <a:moveTo>
+                  <a:pt x="0" y="987379"/>
+                </a:moveTo>
+                <a:lnTo>
+                  <a:pt x="987379" y="0"/>
+                </a:lnTo>
+                <a:lnTo>
+                  <a:pt x="1827638" y="840260"/>
+                </a:lnTo>
+                <a:lnTo>
+                  <a:pt x="1827638" y="1376989"/>
+                </a:lnTo>
+                <a:lnTo>
+                  <a:pt x="0" y="1376989"/>
+                </a:lnTo>
+                <a:close/>
+              </a:path>
+            </a:pathLst>
+          </a:custGeom>
+          <a:solidFill>
+            <a:schemeClr val="accent1">
+              <a:alpha val="30000"/>
+            </a:schemeClr>
+          </a:solidFill>
+          <a:ln>
+            <a:noFill/>
+          </a:ln>
+        </p:spPr>
+        <p:style>
+          <a:lnRef idx="2">
+            <a:schemeClr val="accent1">
+              <a:shade val="50000"/>
+            </a:schemeClr>
+          </a:lnRef>
+          <a:fillRef idx="1">
+            <a:schemeClr val="accent1"/>
+          </a:fillRef>
+          <a:effectRef idx="0">
+            <a:schemeClr val="accent1"/>
+          </a:effectRef>
+          <a:fontRef idx="minor">
+            <a:schemeClr val="lt1"/>
+          </a:fontRef>
+        </p:style>
+        <p:txBody>
+          <a:bodyPr rtlCol="0" anchor="ctr"/>
+          <a:lstStyle/>
+          <a:p>
+            <a:pPr algn="ctr"/>
+            <a:endParaRPr lang="en-US" dirty="0"/>
+          </a:p>
+        </p:txBody>
+      </p:sp>
+      <p:sp>
+        <p:nvSpPr>
+          <p:cNvPr id="15" name="Rectangle 14">
+            <a:extLst>
+              <a:ext uri="{FF2B5EF4-FFF2-40B4-BE49-F238E27FC236}">
+                <a16:creationId xmlns:a16="http://schemas.microsoft.com/office/drawing/2014/main" id="{29FDB030-9B49-4CED-8CCD-4D99382388AC}"/>
+              </a:ext>
+              <a:ext uri="{C183D7F6-B498-43B3-948B-1728B52AA6E4}">
+                <adec:decorative xmlns:adec="http://schemas.microsoft.com/office/drawing/2017/decorative" val="1"/>
+              </a:ext>
+            </a:extLst>
+          </p:cNvPr>
+          <p:cNvSpPr>
+            <a:spLocks noGrp="1" noRot="1" noChangeAspect="1" noMove="1" noResize="1" noEditPoints="1" noAdjustHandles="1" noChangeArrowheads="1" noChangeShapeType="1" noTextEdit="1"/>
+          </p:cNvSpPr>
+          <p:nvPr>
+            <p:extLst>
+              <p:ext uri="{386F3935-93C4-4BCD-93E2-E3B085C9AB24}">
+                <p16:designElem xmlns:p16="http://schemas.microsoft.com/office/powerpoint/2015/main" val="1"/>
+              </p:ext>
+            </p:extLst>
+          </p:nvPr>
+        </p:nvSpPr>
+        <p:spPr>
+          <a:xfrm rot="18900000" flipH="1">
+            <a:off x="891641" y="422146"/>
+            <a:ext cx="645368" cy="645368"/>
+          </a:xfrm>
+          <a:prstGeom prst="rect">
+            <a:avLst/>
+          </a:prstGeom>
+          <a:solidFill>
+            <a:schemeClr val="accent1">
+              <a:alpha val="30000"/>
+            </a:schemeClr>
+          </a:solidFill>
+          <a:ln>
+            <a:noFill/>
+          </a:ln>
+        </p:spPr>
+        <p:style>
+          <a:lnRef idx="2">
+            <a:schemeClr val="accent1">
+              <a:shade val="50000"/>
+            </a:schemeClr>
+          </a:lnRef>
+          <a:fillRef idx="1">
+            <a:schemeClr val="accent1"/>
+          </a:fillRef>
+          <a:effectRef idx="0">
+            <a:schemeClr val="accent1"/>
+          </a:effectRef>
+          <a:fontRef idx="minor">
+            <a:schemeClr val="lt1"/>
+          </a:fontRef>
+        </p:style>
+        <p:txBody>
+          <a:bodyPr rtlCol="0" anchor="ctr"/>
+          <a:lstStyle/>
+          <a:p>
+            <a:pPr algn="ctr"/>
+            <a:endParaRPr lang="en-US"/>
+          </a:p>
+        </p:txBody>
+      </p:sp>
+      <p:sp>
+        <p:nvSpPr>
+          <p:cNvPr id="17" name="Rectangle 16">
+            <a:extLst>
+              <a:ext uri="{FF2B5EF4-FFF2-40B4-BE49-F238E27FC236}">
+                <a16:creationId xmlns:a16="http://schemas.microsoft.com/office/drawing/2014/main" id="{3783CA14-24A1-485C-8B30-D6A5D87987AD}"/>
+              </a:ext>
+              <a:ext uri="{C183D7F6-B498-43B3-948B-1728B52AA6E4}">
+                <adec:decorative xmlns:adec="http://schemas.microsoft.com/office/drawing/2017/decorative" val="1"/>
+              </a:ext>
+            </a:extLst>
+          </p:cNvPr>
+          <p:cNvSpPr>
+            <a:spLocks noGrp="1" noRot="1" noChangeAspect="1" noMove="1" noResize="1" noEditPoints="1" noAdjustHandles="1" noChangeArrowheads="1" noChangeShapeType="1" noTextEdit="1"/>
+          </p:cNvSpPr>
+          <p:nvPr>
+            <p:extLst>
+              <p:ext uri="{386F3935-93C4-4BCD-93E2-E3B085C9AB24}">
+                <p16:designElem xmlns:p16="http://schemas.microsoft.com/office/powerpoint/2015/main" val="1"/>
+              </p:ext>
+            </p:extLst>
+          </p:nvPr>
+        </p:nvSpPr>
+        <p:spPr>
+          <a:xfrm rot="18900000" flipH="1">
+            <a:off x="10043482" y="655140"/>
+            <a:ext cx="687472" cy="687472"/>
+          </a:xfrm>
+          <a:prstGeom prst="rect">
+            <a:avLst/>
+          </a:prstGeom>
+          <a:solidFill>
+            <a:schemeClr val="accent4">
+              <a:alpha val="30000"/>
+            </a:schemeClr>
+          </a:solidFill>
+          <a:ln>
+            <a:noFill/>
+          </a:ln>
+        </p:spPr>
+        <p:style>
+          <a:lnRef idx="2">
+            <a:schemeClr val="accent1">
+              <a:shade val="50000"/>
+            </a:schemeClr>
+          </a:lnRef>
+          <a:fillRef idx="1">
+            <a:schemeClr val="accent1"/>
+          </a:fillRef>
+          <a:effectRef idx="0">
+            <a:schemeClr val="accent1"/>
+          </a:effectRef>
+          <a:fontRef idx="minor">
+            <a:schemeClr val="lt1"/>
+          </a:fontRef>
+        </p:style>
+        <p:txBody>
+          <a:bodyPr rtlCol="0" anchor="ctr"/>
+          <a:lstStyle/>
+          <a:p>
+            <a:pPr algn="ctr"/>
+            <a:endParaRPr lang="en-US"/>
+          </a:p>
+        </p:txBody>
+      </p:sp>
+      <p:sp>
+        <p:nvSpPr>
+          <p:cNvPr id="19" name="Freeform: Shape 18">
+            <a:extLst>
+              <a:ext uri="{FF2B5EF4-FFF2-40B4-BE49-F238E27FC236}">
+                <a16:creationId xmlns:a16="http://schemas.microsoft.com/office/drawing/2014/main" id="{9A97C86A-04D6-40F7-AE84-31AB43E6A846}"/>
+              </a:ext>
+              <a:ext uri="{C183D7F6-B498-43B3-948B-1728B52AA6E4}">
+                <adec:decorative xmlns:adec="http://schemas.microsoft.com/office/drawing/2017/decorative" val="1"/>
+              </a:ext>
+            </a:extLst>
+          </p:cNvPr>
+          <p:cNvSpPr>
+            <a:spLocks noGrp="1" noRot="1" noChangeAspect="1" noMove="1" noResize="1" noEditPoints="1" noAdjustHandles="1" noChangeArrowheads="1" noChangeShapeType="1" noTextEdit="1"/>
+          </p:cNvSpPr>
+          <p:nvPr>
+            <p:extLst>
+              <p:ext uri="{386F3935-93C4-4BCD-93E2-E3B085C9AB24}">
+                <p16:designElem xmlns:p16="http://schemas.microsoft.com/office/powerpoint/2015/main" val="1"/>
+              </p:ext>
+            </p:extLst>
+          </p:nvPr>
+        </p:nvSpPr>
+        <p:spPr>
+          <a:xfrm rot="10800000" flipH="1">
+            <a:off x="9356643" y="0"/>
+            <a:ext cx="2835357" cy="1480837"/>
+          </a:xfrm>
+          <a:custGeom>
+            <a:avLst/>
+            <a:gdLst>
+              <a:gd name="connsiteX0" fmla="*/ 2835357 w 2835357"/>
+              <a:gd name="connsiteY0" fmla="*/ 1480837 h 1480837"/>
+              <a:gd name="connsiteX1" fmla="*/ 0 w 2835357"/>
+              <a:gd name="connsiteY1" fmla="*/ 1480837 h 1480837"/>
+              <a:gd name="connsiteX2" fmla="*/ 1552727 w 2835357"/>
+              <a:gd name="connsiteY2" fmla="*/ 0 h 1480837"/>
+              <a:gd name="connsiteX3" fmla="*/ 2835357 w 2835357"/>
+              <a:gd name="connsiteY3" fmla="*/ 1223245 h 1480837"/>
+            </a:gdLst>
+            <a:ahLst/>
+            <a:cxnLst>
+              <a:cxn ang="0">
+                <a:pos x="connsiteX0" y="connsiteY0"/>
+              </a:cxn>
+              <a:cxn ang="0">
+                <a:pos x="connsiteX1" y="connsiteY1"/>
+              </a:cxn>
+              <a:cxn ang="0">
+                <a:pos x="connsiteX2" y="connsiteY2"/>
+              </a:cxn>
+              <a:cxn ang="0">
+                <a:pos x="connsiteX3" y="connsiteY3"/>
+              </a:cxn>
+            </a:cxnLst>
+            <a:rect l="l" t="t" r="r" b="b"/>
+            <a:pathLst>
+              <a:path w="2835357" h="1480837">
+                <a:moveTo>
+                  <a:pt x="2835357" y="1480837"/>
+                </a:moveTo>
+                <a:lnTo>
+                  <a:pt x="0" y="1480837"/>
+                </a:lnTo>
+                <a:lnTo>
+                  <a:pt x="1552727" y="0"/>
+                </a:lnTo>
+                <a:lnTo>
+                  <a:pt x="2835357" y="1223245"/>
+                </a:lnTo>
+                <a:close/>
+              </a:path>
+            </a:pathLst>
+          </a:custGeom>
+          <a:solidFill>
+            <a:schemeClr val="accent4">
+              <a:alpha val="30000"/>
+            </a:schemeClr>
+          </a:solidFill>
+          <a:ln>
+            <a:noFill/>
+          </a:ln>
+        </p:spPr>
+        <p:style>
+          <a:lnRef idx="2">
+            <a:schemeClr val="accent1">
+              <a:shade val="50000"/>
+            </a:schemeClr>
+          </a:lnRef>
+          <a:fillRef idx="1">
+            <a:schemeClr val="accent1"/>
+          </a:fillRef>
+          <a:effectRef idx="0">
+            <a:schemeClr val="accent1"/>
+          </a:effectRef>
+          <a:fontRef idx="minor">
+            <a:schemeClr val="lt1"/>
+          </a:fontRef>
+        </p:style>
+        <p:txBody>
+          <a:bodyPr wrap="square" rtlCol="0" anchor="ctr">
+            <a:noAutofit/>
+          </a:bodyPr>
+          <a:lstStyle/>
+          <a:p>
+            <a:pPr algn="ctr"/>
+            <a:endParaRPr lang="en-US" dirty="0"/>
+          </a:p>
+        </p:txBody>
+      </p:sp>
+      <p:sp>
+        <p:nvSpPr>
+          <p:cNvPr id="21" name="Isosceles Triangle 20">
+            <a:extLst>
+              <a:ext uri="{FF2B5EF4-FFF2-40B4-BE49-F238E27FC236}">
+                <a16:creationId xmlns:a16="http://schemas.microsoft.com/office/drawing/2014/main" id="{FF9F2414-84E8-453E-B1F3-389FDE8192D9}"/>
+              </a:ext>
+              <a:ext uri="{C183D7F6-B498-43B3-948B-1728B52AA6E4}">
+                <adec:decorative xmlns:adec="http://schemas.microsoft.com/office/drawing/2017/decorative" val="1"/>
+              </a:ext>
+            </a:extLst>
+          </p:cNvPr>
+          <p:cNvSpPr>
+            <a:spLocks noGrp="1" noRot="1" noChangeAspect="1" noMove="1" noResize="1" noEditPoints="1" noAdjustHandles="1" noChangeArrowheads="1" noChangeShapeType="1" noTextEdit="1"/>
+          </p:cNvSpPr>
+          <p:nvPr>
+            <p:extLst>
+              <p:ext uri="{386F3935-93C4-4BCD-93E2-E3B085C9AB24}">
+                <p16:designElem xmlns:p16="http://schemas.microsoft.com/office/powerpoint/2015/main" val="1"/>
+              </p:ext>
+            </p:extLst>
+          </p:nvPr>
+        </p:nvSpPr>
+        <p:spPr>
+          <a:xfrm flipH="1">
+            <a:off x="7976344" y="6115501"/>
+            <a:ext cx="1494513" cy="742499"/>
+          </a:xfrm>
+          <a:prstGeom prst="triangle">
+            <a:avLst/>
+          </a:prstGeom>
+          <a:solidFill>
+            <a:schemeClr val="accent1">
+              <a:alpha val="30000"/>
+            </a:schemeClr>
+          </a:solidFill>
+          <a:ln>
+            <a:noFill/>
+          </a:ln>
+        </p:spPr>
+        <p:style>
+          <a:lnRef idx="2">
+            <a:schemeClr val="accent1">
+              <a:shade val="50000"/>
+            </a:schemeClr>
+          </a:lnRef>
+          <a:fillRef idx="1">
+            <a:schemeClr val="accent1"/>
+          </a:fillRef>
+          <a:effectRef idx="0">
+            <a:schemeClr val="accent1"/>
+          </a:effectRef>
+          <a:fontRef idx="minor">
+            <a:schemeClr val="lt1"/>
+          </a:fontRef>
+        </p:style>
+        <p:txBody>
+          <a:bodyPr rtlCol="0" anchor="ctr"/>
+          <a:lstStyle/>
+          <a:p>
+            <a:pPr algn="ctr"/>
+            <a:endParaRPr lang="en-US"/>
+          </a:p>
+        </p:txBody>
+      </p:sp>
+      <p:sp>
+        <p:nvSpPr>
+          <p:cNvPr id="23" name="Isosceles Triangle 22">
+            <a:extLst>
+              <a:ext uri="{FF2B5EF4-FFF2-40B4-BE49-F238E27FC236}">
+                <a16:creationId xmlns:a16="http://schemas.microsoft.com/office/drawing/2014/main" id="{3ECA69A1-7536-43AC-85EF-C7106179F5ED}"/>
+              </a:ext>
+              <a:ext uri="{C183D7F6-B498-43B3-948B-1728B52AA6E4}">
+                <adec:decorative xmlns:adec="http://schemas.microsoft.com/office/drawing/2017/decorative" val="1"/>
+              </a:ext>
+            </a:extLst>
+          </p:cNvPr>
+          <p:cNvSpPr>
+            <a:spLocks noGrp="1" noRot="1" noChangeAspect="1" noMove="1" noResize="1" noEditPoints="1" noAdjustHandles="1" noChangeArrowheads="1" noChangeShapeType="1" noTextEdit="1"/>
+          </p:cNvSpPr>
+          <p:nvPr>
+            <p:extLst>
+              <p:ext uri="{386F3935-93C4-4BCD-93E2-E3B085C9AB24}">
+                <p16:designElem xmlns:p16="http://schemas.microsoft.com/office/powerpoint/2015/main" val="1"/>
+              </p:ext>
+            </p:extLst>
+          </p:nvPr>
+        </p:nvSpPr>
+        <p:spPr>
+          <a:xfrm flipH="1">
+            <a:off x="7604080" y="6453143"/>
+            <a:ext cx="814903" cy="404857"/>
+          </a:xfrm>
+          <a:prstGeom prst="triangle">
+            <a:avLst/>
+          </a:prstGeom>
+          <a:solidFill>
+            <a:schemeClr val="accent1">
+              <a:alpha val="30000"/>
+            </a:schemeClr>
+          </a:solidFill>
+          <a:ln>
+            <a:noFill/>
+          </a:ln>
+        </p:spPr>
+        <p:style>
+          <a:lnRef idx="2">
+            <a:schemeClr val="accent1">
+              <a:shade val="50000"/>
+            </a:schemeClr>
+          </a:lnRef>
+          <a:fillRef idx="1">
+            <a:schemeClr val="accent1"/>
+          </a:fillRef>
+          <a:effectRef idx="0">
+            <a:schemeClr val="accent1"/>
+          </a:effectRef>
+          <a:fontRef idx="minor">
+            <a:schemeClr val="lt1"/>
+          </a:fontRef>
+        </p:style>
+        <p:txBody>
+          <a:bodyPr rtlCol="0" anchor="ctr"/>
+          <a:lstStyle/>
+          <a:p>
+            <a:pPr algn="ctr"/>
+            <a:endParaRPr lang="en-US"/>
+          </a:p>
+        </p:txBody>
+      </p:sp>
+      <p:sp>
+        <p:nvSpPr>
+          <p:cNvPr id="3" name="CaixaDeTexto 2">
+            <a:extLst>
+              <a:ext uri="{FF2B5EF4-FFF2-40B4-BE49-F238E27FC236}">
+                <a16:creationId xmlns:a16="http://schemas.microsoft.com/office/drawing/2014/main" id="{6930C127-C87F-4369-C2CB-59CF57B2BF3C}"/>
+              </a:ext>
+            </a:extLst>
+          </p:cNvPr>
+          <p:cNvSpPr txBox="1"/>
+          <p:nvPr/>
+        </p:nvSpPr>
+        <p:spPr>
+          <a:xfrm>
+            <a:off x="2186940" y="1928100"/>
+            <a:ext cx="7818120" cy="3118290"/>
+          </a:xfrm>
+          <a:prstGeom prst="rect">
+            <a:avLst/>
+          </a:prstGeom>
+          <a:noFill/>
+        </p:spPr>
+        <p:txBody>
+          <a:bodyPr wrap="square">
+            <a:spAutoFit/>
+          </a:bodyPr>
+          <a:lstStyle/>
+          <a:p>
+            <a:pPr algn="ctr">
+              <a:lnSpc>
+                <a:spcPct val="115000"/>
+              </a:lnSpc>
+              <a:spcBef>
+                <a:spcPts val="1800"/>
+              </a:spcBef>
+              <a:spcAft>
+                <a:spcPts val="600"/>
+              </a:spcAft>
+            </a:pPr>
+            <a:r>
+              <a:rPr lang="pt-BR" sz="2400" b="1" u="sng" dirty="0">
+                <a:effectLst/>
+                <a:latin typeface="Arial" panose="020B0604020202020204" pitchFamily="34" charset="0"/>
+              </a:rPr>
+              <a:t>Conclusão</a:t>
+            </a:r>
+            <a:endParaRPr lang="pt-BR" sz="2400" b="1" dirty="0">
+              <a:effectLst/>
+              <a:latin typeface="Arial" panose="020B0604020202020204" pitchFamily="34" charset="0"/>
+            </a:endParaRPr>
+          </a:p>
+          <a:p>
+            <a:pPr algn="just">
+              <a:lnSpc>
+                <a:spcPct val="115000"/>
+              </a:lnSpc>
+            </a:pPr>
+            <a:r>
+              <a:rPr lang="pt-BR" sz="1600" dirty="0">
+                <a:effectLst/>
+                <a:latin typeface="Arial" panose="020B0604020202020204" pitchFamily="34" charset="0"/>
+                <a:ea typeface="Arial" panose="020B0604020202020204" pitchFamily="34" charset="0"/>
+              </a:rPr>
+              <a:t>  </a:t>
+            </a:r>
+          </a:p>
+          <a:p>
+            <a:pPr marL="285750" indent="-285750" algn="just">
+              <a:lnSpc>
+                <a:spcPct val="115000"/>
+              </a:lnSpc>
+              <a:buFont typeface="Arial" panose="020B0604020202020204" pitchFamily="34" charset="0"/>
+              <a:buChar char="•"/>
+            </a:pPr>
+            <a:r>
+              <a:rPr lang="pt-BR" sz="1600" dirty="0">
+                <a:effectLst/>
+                <a:latin typeface="Arial" panose="020B0604020202020204" pitchFamily="34" charset="0"/>
+                <a:ea typeface="Arial" panose="020B0604020202020204" pitchFamily="34" charset="0"/>
+              </a:rPr>
+              <a:t>Este projeto auxiliou nosso grupo a aprender várias funcionalidades de linguagem de programação, estilização e metodologia de trabalho.</a:t>
+            </a:r>
+          </a:p>
+          <a:p>
+            <a:pPr marL="285750" indent="-285750" algn="just">
+              <a:lnSpc>
+                <a:spcPct val="115000"/>
+              </a:lnSpc>
+              <a:buFont typeface="Arial" panose="020B0604020202020204" pitchFamily="34" charset="0"/>
+              <a:buChar char="•"/>
+            </a:pPr>
+            <a:endParaRPr lang="pt-BR" sz="1600" dirty="0">
+              <a:latin typeface="Arial" panose="020B0604020202020204" pitchFamily="34" charset="0"/>
+              <a:ea typeface="Arial" panose="020B0604020202020204" pitchFamily="34" charset="0"/>
+            </a:endParaRPr>
+          </a:p>
+          <a:p>
+            <a:pPr marL="285750" indent="-285750" algn="just">
+              <a:lnSpc>
+                <a:spcPct val="115000"/>
+              </a:lnSpc>
+              <a:buFont typeface="Arial" panose="020B0604020202020204" pitchFamily="34" charset="0"/>
+              <a:buChar char="•"/>
+            </a:pPr>
+            <a:r>
+              <a:rPr lang="pt-BR" sz="1600" dirty="0">
+                <a:latin typeface="Arial" panose="020B0604020202020204" pitchFamily="34" charset="0"/>
+                <a:ea typeface="Arial" panose="020B0604020202020204" pitchFamily="34" charset="0"/>
+              </a:rPr>
+              <a:t>Superamos desafios de desenvolvimento, de participação dos membros do grupo, mas cumprimos com o propósito de criar uma solução para gestão financeira pessoal através desta aplicação.</a:t>
+            </a:r>
+          </a:p>
+          <a:p>
+            <a:pPr marL="285750" indent="-285750" algn="just">
+              <a:lnSpc>
+                <a:spcPct val="115000"/>
+              </a:lnSpc>
+              <a:buFont typeface="Arial" panose="020B0604020202020204" pitchFamily="34" charset="0"/>
+              <a:buChar char="•"/>
+            </a:pPr>
+            <a:endParaRPr lang="pt-BR" sz="1600" dirty="0">
+              <a:latin typeface="Arial" panose="020B0604020202020204" pitchFamily="34" charset="0"/>
+              <a:ea typeface="Arial" panose="020B0604020202020204" pitchFamily="34" charset="0"/>
+            </a:endParaRPr>
+          </a:p>
+          <a:p>
+            <a:pPr marL="285750" indent="-285750" algn="just">
+              <a:lnSpc>
+                <a:spcPct val="115000"/>
+              </a:lnSpc>
+              <a:buFont typeface="Arial" panose="020B0604020202020204" pitchFamily="34" charset="0"/>
+              <a:buChar char="•"/>
+            </a:pPr>
+            <a:r>
+              <a:rPr lang="pt-BR" sz="1600" dirty="0">
+                <a:latin typeface="Arial" panose="020B0604020202020204" pitchFamily="34" charset="0"/>
+                <a:ea typeface="Arial" panose="020B0604020202020204" pitchFamily="34" charset="0"/>
+              </a:rPr>
+              <a:t>A Aplicação foi concluída com sucesso em suas funcionalidades propostas.</a:t>
+            </a:r>
+          </a:p>
+        </p:txBody>
+      </p:sp>
+    </p:spTree>
+    <p:extLst>
+      <p:ext uri="{BB962C8B-B14F-4D97-AF65-F5344CB8AC3E}">
+        <p14:creationId xmlns:p14="http://schemas.microsoft.com/office/powerpoint/2010/main" val="1369946056"/>
+      </p:ext>
+    </p:extLst>
+  </p:cSld>
+  <p:clrMapOvr>
+    <a:masterClrMapping/>
+  </p:clrMapOvr>
+</p:sld>
+</file>
+
 <file path=ppt/theme/theme1.xml><?xml version="1.0" encoding="utf-8"?>
 <a:theme xmlns:a="http://schemas.openxmlformats.org/drawingml/2006/main" name="Tema do Office">
   <a:themeElements>
